--- a/translations/en-us/Project/NextLevelD++.pptx
+++ b/translations/en-us/Project/NextLevelD++.pptx
@@ -1,6 +1,6 @@
 
 <file path=ppt/presentation.xml><?xml version="1.0" encoding="utf-8"?>
-<p:presentation xmlns:a="http://schemas.openxmlformats.org/drawingml/2006/main" xmlns:r="http://schemas.openxmlformats.org/officeDocument/2006/relationships" xmlns:p="http://schemas.openxmlformats.org/presentationml/2006/main" saveSubsetFonts="1">
+<p:presentation xmlns:a="http://schemas.openxmlformats.org/drawingml/2006/main" xmlns:r="http://schemas.openxmlformats.org/officeDocument/2006/relationships" xmlns:p="http://schemas.openxmlformats.org/presentationml/2006/main" showSpecialPlsOnTitleSld="0" saveSubsetFonts="1">
   <p:sldMasterIdLst>
     <p:sldMasterId id="2147483660" r:id="rId1"/>
   </p:sldMasterIdLst>
@@ -205,7 +205,7 @@
           <a:p>
             <a:fld id="{BD9718B8-FC4A-4FCB-AEC4-392026E33331}" type="datetimeFigureOut">
               <a:rPr lang="en-US" smtClean="0"/>
-              <a:t>11/15/2020</a:t>
+              <a:t>5/29/23</a:t>
             </a:fld>
             <a:endParaRPr lang="en-US"/>
           </a:p>
@@ -872,9 +872,9 @@
             </a:lvl1pPr>
           </a:lstStyle>
           <a:p>
-            <a:fld id="{3CB514AF-A5A3-724C-900A-B07EE7DAFA4E}" type="datetime1">
+            <a:fld id="{EB0C608A-0F7B-9F44-9112-001EFEE21413}" type="datetime1">
               <a:rPr lang="en-US" smtClean="0"/>
-              <a:t>11/15/2020</a:t>
+              <a:t>5/29/23</a:t>
             </a:fld>
             <a:endParaRPr lang="en-US"/>
           </a:p>
@@ -916,7 +916,7 @@
           <a:p>
             <a:r>
               <a:rPr lang="en-US"/>
-              <a:t>© 2019, FLL Tutorials, Last Edit 1/24/2019</a:t>
+              <a:t>© 2023, FLLTutorials.com. Last Edit 5/29/2023</a:t>
             </a:r>
           </a:p>
         </p:txBody>
@@ -1181,9 +1181,9 @@
           <a:bodyPr/>
           <a:lstStyle/>
           <a:p>
-            <a:fld id="{0F3C557C-AC1F-0F43-B3C7-72BA46C67FCF}" type="datetime1">
+            <a:fld id="{A9DE973B-13DE-B74D-990D-B6EC6F016423}" type="datetime1">
               <a:rPr lang="en-US" smtClean="0"/>
-              <a:t>11/15/2020</a:t>
+              <a:t>5/29/23</a:t>
             </a:fld>
             <a:endParaRPr lang="en-US"/>
           </a:p>
@@ -1214,7 +1214,7 @@
           <a:p>
             <a:r>
               <a:rPr lang="en-US"/>
-              <a:t>© 2019, FLL Tutorials, Last Edit 1/24/2019</a:t>
+              <a:t>© 2023, FLLTutorials.com. Last Edit 5/29/2023</a:t>
             </a:r>
           </a:p>
         </p:txBody>
@@ -1438,9 +1438,9 @@
             </a:lvl1pPr>
           </a:lstStyle>
           <a:p>
-            <a:fld id="{815149D1-7D6F-DA4B-AECE-77EA316B6B7F}" type="datetime1">
+            <a:fld id="{E9D96E13-4027-FD43-99D5-2389C6A22E8A}" type="datetime1">
               <a:rPr lang="en-US" smtClean="0"/>
-              <a:t>11/15/2020</a:t>
+              <a:t>5/29/23</a:t>
             </a:fld>
             <a:endParaRPr lang="en-US"/>
           </a:p>
@@ -1471,7 +1471,7 @@
           <a:p>
             <a:r>
               <a:rPr lang="en-US"/>
-              <a:t>© 2019, FLL Tutorials, Last Edit 1/24/2019</a:t>
+              <a:t>© 2023, FLLTutorials.com. Last Edit 5/29/2023</a:t>
             </a:r>
           </a:p>
         </p:txBody>
@@ -1725,9 +1725,9 @@
             </a:lvl1pPr>
           </a:lstStyle>
           <a:p>
-            <a:fld id="{923DFC9A-40A5-794F-8478-1A81B7B4C3E1}" type="datetime1">
+            <a:fld id="{7DB727E1-617A-1947-A63B-B9855FC84D10}" type="datetime1">
               <a:rPr lang="en-US" smtClean="0"/>
-              <a:t>11/15/2020</a:t>
+              <a:t>5/29/23</a:t>
             </a:fld>
             <a:endParaRPr lang="en-US"/>
           </a:p>
@@ -1772,7 +1772,7 @@
           <a:p>
             <a:r>
               <a:rPr lang="en-US"/>
-              <a:t>© 2019, FLL Tutorials, Last Edit 1/24/2019</a:t>
+              <a:t>© 2023, FLLTutorials.com. Last Edit 5/29/2023</a:t>
             </a:r>
           </a:p>
         </p:txBody>
@@ -2179,7 +2179,7 @@
             <a:fld id="{B61BEF0D-F0BB-DE4B-95CE-6DB70DBA9567}" type="datetimeFigureOut">
               <a:rPr lang="en-US" sz="900" smtClean="0"/>
               <a:pPr/>
-              <a:t>11/15/2020</a:t>
+              <a:t>5/29/23</a:t>
             </a:fld>
             <a:endParaRPr lang="en-US" sz="900" dirty="0"/>
           </a:p>
@@ -2683,9 +2683,9 @@
           <a:bodyPr/>
           <a:lstStyle/>
           <a:p>
-            <a:fld id="{3AFCF276-7377-3149-8C94-AA56AE156A9F}" type="datetime1">
+            <a:fld id="{B94B44B5-20F1-1A44-9950-79067884B54D}" type="datetime1">
               <a:rPr lang="en-US" smtClean="0"/>
-              <a:t>11/15/2020</a:t>
+              <a:t>5/29/23</a:t>
             </a:fld>
             <a:endParaRPr lang="en-US"/>
           </a:p>
@@ -2716,7 +2716,7 @@
           <a:p>
             <a:r>
               <a:rPr lang="en-US"/>
-              <a:t>© 2019, FLL Tutorials, Last Edit 1/24/2019</a:t>
+              <a:t>© 2023, FLLTutorials.com. Last Edit 5/29/2023</a:t>
             </a:r>
           </a:p>
         </p:txBody>
@@ -3131,9 +3131,9 @@
           <a:bodyPr/>
           <a:lstStyle/>
           <a:p>
-            <a:fld id="{E7EE31CE-0E50-364F-A8EA-69D307F9F833}" type="datetime1">
+            <a:fld id="{B9194C90-54B4-924B-A388-BA31124DE061}" type="datetime1">
               <a:rPr lang="en-US" smtClean="0"/>
-              <a:t>11/15/2020</a:t>
+              <a:t>5/29/23</a:t>
             </a:fld>
             <a:endParaRPr lang="en-US"/>
           </a:p>
@@ -3164,7 +3164,7 @@
           <a:p>
             <a:r>
               <a:rPr lang="en-US"/>
-              <a:t>© 2019, FLL Tutorials, Last Edit 1/24/2019</a:t>
+              <a:t>© 2023, FLLTutorials.com. Last Edit 5/29/2023</a:t>
             </a:r>
           </a:p>
         </p:txBody>
@@ -3315,9 +3315,9 @@
           <a:bodyPr/>
           <a:lstStyle/>
           <a:p>
-            <a:fld id="{0535B69A-3E00-6E4F-804D-89B028F0C9B2}" type="datetime1">
+            <a:fld id="{4C320E1C-3827-F141-BE7D-15ADFD051F16}" type="datetime1">
               <a:rPr lang="en-US" smtClean="0"/>
-              <a:t>11/15/2020</a:t>
+              <a:t>5/29/23</a:t>
             </a:fld>
             <a:endParaRPr lang="en-US"/>
           </a:p>
@@ -3348,7 +3348,7 @@
           <a:p>
             <a:r>
               <a:rPr lang="en-US"/>
-              <a:t>© 2019, FLL Tutorials, Last Edit 1/24/2019</a:t>
+              <a:t>© 2023, FLLTutorials.com. Last Edit 5/29/2023</a:t>
             </a:r>
           </a:p>
         </p:txBody>
@@ -3437,9 +3437,9 @@
           <a:bodyPr/>
           <a:lstStyle/>
           <a:p>
-            <a:fld id="{019876A9-28A1-9543-929B-0005E44FB5E9}" type="datetime1">
+            <a:fld id="{2699CF84-44CA-F14F-BABF-ACD9B4FF6A40}" type="datetime1">
               <a:rPr lang="en-US" smtClean="0"/>
-              <a:t>11/15/2020</a:t>
+              <a:t>5/29/23</a:t>
             </a:fld>
             <a:endParaRPr lang="en-US"/>
           </a:p>
@@ -3470,7 +3470,7 @@
           <a:p>
             <a:r>
               <a:rPr lang="en-US"/>
-              <a:t>© 2019, FLL Tutorials, Last Edit 1/24/2019</a:t>
+              <a:t>© 2023, FLLTutorials.com. Last Edit 5/29/2023</a:t>
             </a:r>
           </a:p>
         </p:txBody>
@@ -3842,9 +3842,9 @@
             </a:lvl1pPr>
           </a:lstStyle>
           <a:p>
-            <a:fld id="{0575A52D-0FB1-DA46-85B2-EBB778041674}" type="datetime1">
+            <a:fld id="{3C827366-328A-4E47-9BC3-7C8F86EEE25A}" type="datetime1">
               <a:rPr lang="en-US" smtClean="0"/>
-              <a:t>11/15/2020</a:t>
+              <a:t>5/29/23</a:t>
             </a:fld>
             <a:endParaRPr lang="en-US"/>
           </a:p>
@@ -3886,7 +3886,7 @@
           <a:p>
             <a:r>
               <a:rPr lang="en-US"/>
-              <a:t>© 2019, FLL Tutorials, Last Edit 1/24/2019</a:t>
+              <a:t>© 2023, FLLTutorials.com. Last Edit 5/29/2023</a:t>
             </a:r>
           </a:p>
         </p:txBody>
@@ -4158,9 +4158,9 @@
           <a:bodyPr/>
           <a:lstStyle/>
           <a:p>
-            <a:fld id="{C1099CFE-FC89-584E-A0C4-DBE3775F2DF2}" type="datetime1">
+            <a:fld id="{D5A241E8-27EE-9B4B-88D3-6611A6E0A87C}" type="datetime1">
               <a:rPr lang="en-US" smtClean="0"/>
-              <a:t>11/15/2020</a:t>
+              <a:t>5/29/23</a:t>
             </a:fld>
             <a:endParaRPr lang="en-US"/>
           </a:p>
@@ -4191,7 +4191,7 @@
           <a:p>
             <a:r>
               <a:rPr lang="en-US"/>
-              <a:t>© 2019, FLL Tutorials, Last Edit 1/24/2019</a:t>
+              <a:t>© 2023, FLLTutorials.com. Last Edit 5/29/2023</a:t>
             </a:r>
           </a:p>
         </p:txBody>
@@ -4508,9 +4508,9 @@
             </a:lvl1pPr>
           </a:lstStyle>
           <a:p>
-            <a:fld id="{B0A8BFF8-CC57-E84F-8022-90052C3C77DA}" type="datetime1">
+            <a:fld id="{3DD4BA1A-9BB2-0B4F-AC9A-82CBCD6B0796}" type="datetime1">
               <a:rPr lang="en-US" smtClean="0"/>
-              <a:t>11/15/2020</a:t>
+              <a:t>5/29/23</a:t>
             </a:fld>
             <a:endParaRPr lang="en-US"/>
           </a:p>
@@ -4558,7 +4558,7 @@
           <a:p>
             <a:r>
               <a:rPr lang="en-US"/>
-              <a:t>© 2019, FLL Tutorials, Last Edit 1/24/2019</a:t>
+              <a:t>© 2023, FLLTutorials.com. Last Edit 5/29/2023</a:t>
             </a:r>
           </a:p>
         </p:txBody>
@@ -5101,63 +5101,6 @@
           </a:p>
         </p:txBody>
       </p:sp>
-      <p:sp>
-        <p:nvSpPr>
-          <p:cNvPr id="4" name="Footer Placeholder 3">
-            <a:extLst>
-              <a:ext uri="{FF2B5EF4-FFF2-40B4-BE49-F238E27FC236}">
-                <a16:creationId xmlns:a16="http://schemas.microsoft.com/office/drawing/2014/main" id="{293364FB-894B-4476-A962-A7E25E40CC2F}"/>
-              </a:ext>
-            </a:extLst>
-          </p:cNvPr>
-          <p:cNvSpPr>
-            <a:spLocks noGrp="1"/>
-          </p:cNvSpPr>
-          <p:nvPr>
-            <p:ph type="ftr" sz="quarter" idx="11"/>
-          </p:nvPr>
-        </p:nvSpPr>
-        <p:spPr/>
-        <p:txBody>
-          <a:bodyPr/>
-          <a:lstStyle/>
-          <a:p>
-            <a:r>
-              <a:rPr lang="en-US" dirty="0"/>
-              <a:t>© 2020, FLL Tutorials</a:t>
-            </a:r>
-          </a:p>
-        </p:txBody>
-      </p:sp>
-      <p:sp>
-        <p:nvSpPr>
-          <p:cNvPr id="5" name="Slide Number Placeholder 4">
-            <a:extLst>
-              <a:ext uri="{FF2B5EF4-FFF2-40B4-BE49-F238E27FC236}">
-                <a16:creationId xmlns:a16="http://schemas.microsoft.com/office/drawing/2014/main" id="{D7982598-A108-49BF-B9B7-FE18D01D4037}"/>
-              </a:ext>
-            </a:extLst>
-          </p:cNvPr>
-          <p:cNvSpPr>
-            <a:spLocks noGrp="1"/>
-          </p:cNvSpPr>
-          <p:nvPr>
-            <p:ph type="sldNum" sz="quarter" idx="12"/>
-          </p:nvPr>
-        </p:nvSpPr>
-        <p:spPr/>
-        <p:txBody>
-          <a:bodyPr/>
-          <a:lstStyle/>
-          <a:p>
-            <a:fld id="{4DBC7FC8-25FB-FC45-8177-2B991DA6778C}" type="slidenum">
-              <a:rPr lang="en-US" smtClean="0"/>
-              <a:t>1</a:t>
-            </a:fld>
-            <a:endParaRPr lang="en-US"/>
-          </a:p>
-        </p:txBody>
-      </p:sp>
     </p:spTree>
     <p:extLst>
       <p:ext uri="{BB962C8B-B14F-4D97-AF65-F5344CB8AC3E}">
@@ -5241,7 +5184,7 @@
         </p:spPr>
         <p:txBody>
           <a:bodyPr>
-            <a:normAutofit/>
+            <a:normAutofit lnSpcReduction="10000"/>
           </a:bodyPr>
           <a:lstStyle/>
           <a:p>
@@ -5382,9 +5325,10 @@
           <a:lstStyle/>
           <a:p>
             <a:r>
-              <a:rPr lang="en-US" dirty="0"/>
-              <a:t>© 2020, FLL Tutorials</a:t>
-            </a:r>
+              <a:rPr lang="en-US"/>
+              <a:t>© 2023, FLLTutorials.com. Last Edit 5/29/2023</a:t>
+            </a:r>
+            <a:endParaRPr lang="en-US" dirty="0"/>
           </a:p>
         </p:txBody>
       </p:sp>
@@ -6253,9 +6197,39 @@
           <a:lstStyle/>
           <a:p>
             <a:r>
-              <a:rPr lang="en-US" dirty="0"/>
-              <a:t>© 2020, FLL Tutorials</a:t>
-            </a:r>
+              <a:rPr lang="en-US"/>
+              <a:t>© 2023, FLLTutorials.com. Last Edit 5/29/2023</a:t>
+            </a:r>
+            <a:endParaRPr lang="en-US" dirty="0"/>
+          </a:p>
+        </p:txBody>
+      </p:sp>
+      <p:sp>
+        <p:nvSpPr>
+          <p:cNvPr id="3" name="Slide Number Placeholder 2">
+            <a:extLst>
+              <a:ext uri="{FF2B5EF4-FFF2-40B4-BE49-F238E27FC236}">
+                <a16:creationId xmlns:a16="http://schemas.microsoft.com/office/drawing/2014/main" id="{CD026FA4-D617-F1C1-1F71-38F2555E4A85}"/>
+              </a:ext>
+            </a:extLst>
+          </p:cNvPr>
+          <p:cNvSpPr>
+            <a:spLocks noGrp="1"/>
+          </p:cNvSpPr>
+          <p:nvPr>
+            <p:ph type="sldNum" sz="quarter" idx="12"/>
+          </p:nvPr>
+        </p:nvSpPr>
+        <p:spPr/>
+        <p:txBody>
+          <a:bodyPr/>
+          <a:lstStyle/>
+          <a:p>
+            <a:fld id="{4DBC7FC8-25FB-FC45-8177-2B991DA6778C}" type="slidenum">
+              <a:rPr lang="en-US" smtClean="0"/>
+              <a:t>3</a:t>
+            </a:fld>
+            <a:endParaRPr lang="en-US" dirty="0"/>
           </a:p>
         </p:txBody>
       </p:sp>
@@ -6344,9 +6318,10 @@
           <a:lstStyle/>
           <a:p>
             <a:r>
-              <a:rPr lang="en-US" dirty="0"/>
-              <a:t>© 2020, FLL Tutorials</a:t>
-            </a:r>
+              <a:rPr lang="en-US"/>
+              <a:t>© 2023, FLLTutorials.com. Last Edit 5/29/2023</a:t>
+            </a:r>
+            <a:endParaRPr lang="en-US" dirty="0"/>
           </a:p>
         </p:txBody>
       </p:sp>
@@ -7078,6 +7053,35 @@
           </a:extLst>
         </p:spPr>
       </p:pic>
+      <p:sp>
+        <p:nvSpPr>
+          <p:cNvPr id="3" name="Slide Number Placeholder 2">
+            <a:extLst>
+              <a:ext uri="{FF2B5EF4-FFF2-40B4-BE49-F238E27FC236}">
+                <a16:creationId xmlns:a16="http://schemas.microsoft.com/office/drawing/2014/main" id="{5CBEF4BA-9883-9DB9-39CB-22D3395296A7}"/>
+              </a:ext>
+            </a:extLst>
+          </p:cNvPr>
+          <p:cNvSpPr>
+            <a:spLocks noGrp="1"/>
+          </p:cNvSpPr>
+          <p:nvPr>
+            <p:ph type="sldNum" sz="quarter" idx="12"/>
+          </p:nvPr>
+        </p:nvSpPr>
+        <p:spPr/>
+        <p:txBody>
+          <a:bodyPr/>
+          <a:lstStyle/>
+          <a:p>
+            <a:fld id="{4DBC7FC8-25FB-FC45-8177-2B991DA6778C}" type="slidenum">
+              <a:rPr lang="en-US" smtClean="0"/>
+              <a:t>4</a:t>
+            </a:fld>
+            <a:endParaRPr lang="en-US" dirty="0"/>
+          </a:p>
+        </p:txBody>
+      </p:sp>
     </p:spTree>
     <p:extLst>
       <p:ext uri="{BB962C8B-B14F-4D97-AF65-F5344CB8AC3E}">
@@ -7255,9 +7259,39 @@
           <a:lstStyle/>
           <a:p>
             <a:r>
-              <a:rPr lang="en-US" dirty="0"/>
-              <a:t>© 2020, FLL Tutorials</a:t>
-            </a:r>
+              <a:rPr lang="en-US"/>
+              <a:t>© 2023, FLLTutorials.com. Last Edit 5/29/2023</a:t>
+            </a:r>
+            <a:endParaRPr lang="en-US" dirty="0"/>
+          </a:p>
+        </p:txBody>
+      </p:sp>
+      <p:sp>
+        <p:nvSpPr>
+          <p:cNvPr id="4" name="Slide Number Placeholder 3">
+            <a:extLst>
+              <a:ext uri="{FF2B5EF4-FFF2-40B4-BE49-F238E27FC236}">
+                <a16:creationId xmlns:a16="http://schemas.microsoft.com/office/drawing/2014/main" id="{A19E5533-CD1A-CCC3-451A-C151AA93BAE5}"/>
+              </a:ext>
+            </a:extLst>
+          </p:cNvPr>
+          <p:cNvSpPr>
+            <a:spLocks noGrp="1"/>
+          </p:cNvSpPr>
+          <p:nvPr>
+            <p:ph type="sldNum" sz="quarter" idx="12"/>
+          </p:nvPr>
+        </p:nvSpPr>
+        <p:spPr/>
+        <p:txBody>
+          <a:bodyPr/>
+          <a:lstStyle/>
+          <a:p>
+            <a:fld id="{4DBC7FC8-25FB-FC45-8177-2B991DA6778C}" type="slidenum">
+              <a:rPr lang="en-US" smtClean="0"/>
+              <a:t>5</a:t>
+            </a:fld>
+            <a:endParaRPr lang="en-US" dirty="0"/>
           </a:p>
         </p:txBody>
       </p:sp>
@@ -7393,9 +7427,10 @@
           <a:lstStyle/>
           <a:p>
             <a:r>
-              <a:rPr lang="en-US" dirty="0"/>
-              <a:t>© 2020, FLL Tutorials</a:t>
-            </a:r>
+              <a:rPr lang="en-US"/>
+              <a:t>© 2023, FLLTutorials.com. Last Edit 5/29/2023</a:t>
+            </a:r>
+            <a:endParaRPr lang="en-US" dirty="0"/>
           </a:p>
         </p:txBody>
       </p:sp>
@@ -7478,6 +7513,35 @@
               <a:t>https://commons.wikimedia.org/wiki/File:SWOT_en.svg</a:t>
             </a:r>
             <a:endParaRPr lang="en-US" sz="900" dirty="0"/>
+          </a:p>
+        </p:txBody>
+      </p:sp>
+      <p:sp>
+        <p:nvSpPr>
+          <p:cNvPr id="5" name="Slide Number Placeholder 4">
+            <a:extLst>
+              <a:ext uri="{FF2B5EF4-FFF2-40B4-BE49-F238E27FC236}">
+                <a16:creationId xmlns:a16="http://schemas.microsoft.com/office/drawing/2014/main" id="{CA80BEC6-1CA0-76C6-2B9D-1E174D36F36E}"/>
+              </a:ext>
+            </a:extLst>
+          </p:cNvPr>
+          <p:cNvSpPr>
+            <a:spLocks noGrp="1"/>
+          </p:cNvSpPr>
+          <p:nvPr>
+            <p:ph type="sldNum" sz="quarter" idx="12"/>
+          </p:nvPr>
+        </p:nvSpPr>
+        <p:spPr/>
+        <p:txBody>
+          <a:bodyPr/>
+          <a:lstStyle/>
+          <a:p>
+            <a:fld id="{4DBC7FC8-25FB-FC45-8177-2B991DA6778C}" type="slidenum">
+              <a:rPr lang="en-US" smtClean="0"/>
+              <a:t>6</a:t>
+            </a:fld>
+            <a:endParaRPr lang="en-US" dirty="0"/>
           </a:p>
         </p:txBody>
       </p:sp>
@@ -7658,9 +7722,39 @@
           <a:lstStyle/>
           <a:p>
             <a:r>
-              <a:rPr lang="en-US" dirty="0"/>
-              <a:t>© 2020, FLL Tutorials</a:t>
-            </a:r>
+              <a:rPr lang="en-US"/>
+              <a:t>© 2023, FLLTutorials.com. Last Edit 5/29/2023</a:t>
+            </a:r>
+            <a:endParaRPr lang="en-US" dirty="0"/>
+          </a:p>
+        </p:txBody>
+      </p:sp>
+      <p:sp>
+        <p:nvSpPr>
+          <p:cNvPr id="4" name="Slide Number Placeholder 3">
+            <a:extLst>
+              <a:ext uri="{FF2B5EF4-FFF2-40B4-BE49-F238E27FC236}">
+                <a16:creationId xmlns:a16="http://schemas.microsoft.com/office/drawing/2014/main" id="{F8037662-FEDC-185C-9C13-8D11A25CFAF8}"/>
+              </a:ext>
+            </a:extLst>
+          </p:cNvPr>
+          <p:cNvSpPr>
+            <a:spLocks noGrp="1"/>
+          </p:cNvSpPr>
+          <p:nvPr>
+            <p:ph type="sldNum" sz="quarter" idx="12"/>
+          </p:nvPr>
+        </p:nvSpPr>
+        <p:spPr/>
+        <p:txBody>
+          <a:bodyPr/>
+          <a:lstStyle/>
+          <a:p>
+            <a:fld id="{4DBC7FC8-25FB-FC45-8177-2B991DA6778C}" type="slidenum">
+              <a:rPr lang="en-US" smtClean="0"/>
+              <a:t>7</a:t>
+            </a:fld>
+            <a:endParaRPr lang="en-US" dirty="0"/>
           </a:p>
         </p:txBody>
       </p:sp>
@@ -7829,9 +7923,10 @@
           <a:lstStyle/>
           <a:p>
             <a:r>
-              <a:rPr lang="en-US" dirty="0"/>
-              <a:t>© 2020, FLL Tutorials</a:t>
-            </a:r>
+              <a:rPr lang="en-US"/>
+              <a:t>© 2023, FLLTutorials.com. Last Edit 5/29/2023</a:t>
+            </a:r>
+            <a:endParaRPr lang="en-US" dirty="0"/>
           </a:p>
         </p:txBody>
       </p:sp>
@@ -7869,6 +7964,35 @@
               <a:t>https://slidehunter.com/powerpoint-templates/business-model-canvas-template-for-powerpoint/</a:t>
             </a:r>
             <a:endParaRPr lang="en-US" sz="1050" dirty="0"/>
+          </a:p>
+        </p:txBody>
+      </p:sp>
+      <p:sp>
+        <p:nvSpPr>
+          <p:cNvPr id="4" name="Slide Number Placeholder 3">
+            <a:extLst>
+              <a:ext uri="{FF2B5EF4-FFF2-40B4-BE49-F238E27FC236}">
+                <a16:creationId xmlns:a16="http://schemas.microsoft.com/office/drawing/2014/main" id="{FF3A2ACA-073B-3AAF-1029-6BD8F1B421ED}"/>
+              </a:ext>
+            </a:extLst>
+          </p:cNvPr>
+          <p:cNvSpPr>
+            <a:spLocks noGrp="1"/>
+          </p:cNvSpPr>
+          <p:nvPr>
+            <p:ph type="sldNum" sz="quarter" idx="12"/>
+          </p:nvPr>
+        </p:nvSpPr>
+        <p:spPr/>
+        <p:txBody>
+          <a:bodyPr/>
+          <a:lstStyle/>
+          <a:p>
+            <a:fld id="{4DBC7FC8-25FB-FC45-8177-2B991DA6778C}" type="slidenum">
+              <a:rPr lang="en-US" smtClean="0"/>
+              <a:t>8</a:t>
+            </a:fld>
+            <a:endParaRPr lang="en-US" dirty="0"/>
           </a:p>
         </p:txBody>
       </p:sp>
@@ -8000,9 +8124,10 @@
           <a:lstStyle/>
           <a:p>
             <a:r>
-              <a:rPr lang="en-US" dirty="0"/>
-              <a:t>© 2020, FLL Tutorials</a:t>
-            </a:r>
+              <a:rPr lang="en-US"/>
+              <a:t>© 2023, FLLTutorials.com. Last Edit 5/29/2023</a:t>
+            </a:r>
+            <a:endParaRPr lang="en-US" dirty="0"/>
           </a:p>
         </p:txBody>
       </p:sp>
@@ -8035,6 +8160,35 @@
           </a:prstGeom>
         </p:spPr>
       </p:pic>
+      <p:sp>
+        <p:nvSpPr>
+          <p:cNvPr id="5" name="Slide Number Placeholder 4">
+            <a:extLst>
+              <a:ext uri="{FF2B5EF4-FFF2-40B4-BE49-F238E27FC236}">
+                <a16:creationId xmlns:a16="http://schemas.microsoft.com/office/drawing/2014/main" id="{2166C5A9-8292-235A-BD5A-05987D8305EE}"/>
+              </a:ext>
+            </a:extLst>
+          </p:cNvPr>
+          <p:cNvSpPr>
+            <a:spLocks noGrp="1"/>
+          </p:cNvSpPr>
+          <p:nvPr>
+            <p:ph type="sldNum" sz="quarter" idx="12"/>
+          </p:nvPr>
+        </p:nvSpPr>
+        <p:spPr/>
+        <p:txBody>
+          <a:bodyPr/>
+          <a:lstStyle/>
+          <a:p>
+            <a:fld id="{4DBC7FC8-25FB-FC45-8177-2B991DA6778C}" type="slidenum">
+              <a:rPr lang="en-US" smtClean="0"/>
+              <a:t>9</a:t>
+            </a:fld>
+            <a:endParaRPr lang="en-US" dirty="0"/>
+          </a:p>
+        </p:txBody>
+      </p:sp>
     </p:spTree>
     <p:extLst>
       <p:ext uri="{BB962C8B-B14F-4D97-AF65-F5344CB8AC3E}">
